--- a/Generate/File Baru/Pitching_Report_DUPK_BI_Pengaduan_Sistem_Pembayaran_1_7_April_2022.pptx
+++ b/Generate/File Baru/Pitching_Report_DUPK_BI_Pengaduan_Sistem_Pembayaran_1_7_April_2022.pptx
@@ -2310,13 +2310,13 @@
               <c:strCache>
                 <c:ptCount val="3"/>
                 <c:pt idx="0">
-                  <c:v>Negatif</c:v>
+                  <c:v>Positif</c:v>
                 </c:pt>
                 <c:pt idx="1">
                   <c:v>Netral</c:v>
                 </c:pt>
                 <c:pt idx="2">
-                  <c:v>Positif</c:v>
+                  <c:v>Negatif</c:v>
                 </c:pt>
               </c:strCache>
             </c:strRef>
@@ -2328,13 +2328,13 @@
                 <c:formatCode>General</c:formatCode>
                 <c:ptCount val="3"/>
                 <c:pt idx="0">
-                  <c:v>0.06</c:v>
+                  <c:v>0.57</c:v>
                 </c:pt>
                 <c:pt idx="1">
                   <c:v>0.37</c:v>
                 </c:pt>
                 <c:pt idx="2">
-                  <c:v>0.57</c:v>
+                  <c:v>0.06</c:v>
                 </c:pt>
               </c:numCache>
             </c:numRef>
@@ -7160,7 +7160,7 @@
           <a:p>
             <a:fld id="{68EBA321-806E-4B34-8C1C-F0AD790BEF5A}" type="datetimeFigureOut">
               <a:rPr lang="en-US" smtClean="0"/>
-              <a:t>3/19/2024</a:t>
+              <a:t>3/20/2024</a:t>
             </a:fld>
             <a:endParaRPr lang="en-US"/>
           </a:p>
@@ -31974,7 +31974,7 @@
                   <a:uFillTx/>
                   <a:latin typeface="Calibri"/>
                 </a:rPr>
-                <a:t>Layanan B</a:t>
+                <a:t>Layanan P</a:t>
               </a:r>
               <a:r>
                 <a:rPr kumimoji="0" lang="en-US" sz="900" b="0" i="0" u="none" strike="noStrike" kern="0" cap="none" spc="0" normalizeH="0" baseline="0" noProof="0" dirty="0">
@@ -32004,7 +32004,7 @@
                   <a:uFillTx/>
                   <a:latin typeface="Calibri"/>
                 </a:rPr>
-                <a:t>rbasis Digit</a:t>
+                <a:t>nukaran Di S</a:t>
               </a:r>
               <a:r>
                 <a:rPr kumimoji="0" lang="en-US" sz="900" b="0" i="0" u="none" strike="noStrike" kern="0" cap="none" spc="0" normalizeH="0" baseline="0" noProof="0" dirty="0">
@@ -32019,7 +32019,7 @@
                   <a:uFillTx/>
                   <a:latin typeface="Calibri"/>
                 </a:rPr>
-                <a:t>al dalam Transformasi Ekosistem Digital Indonesia.</a:t>
+                <a:t>eluruh Lampung oleh BI dan Perbankan.</a:t>
               </a:r>
             </a:p>
             <a:p>
@@ -32047,7 +32047,7 @@
                   </a:solidFill>
                   <a:latin typeface="Calibri"/>
                 </a:rPr>
-                <a:t>Lay</a:t>
+                <a:t>Pre</a:t>
               </a:r>
               <a:r>
                 <a:rPr lang="en-US" sz="900" kern="0" dirty="0" err="1">
@@ -32056,7 +32056,7 @@
                   </a:solidFill>
                   <a:latin typeface="Calibri"/>
                 </a:rPr>
-                <a:t>anan P</a:t>
+                <a:t>stasi </a:t>
               </a:r>
               <a:r>
                 <a:rPr lang="en-US" sz="900" kern="0" dirty="0">
@@ -32065,7 +32065,7 @@
                   </a:solidFill>
                   <a:latin typeface="Calibri"/>
                 </a:rPr>
-                <a:t>e</a:t>
+                <a:t>P</a:t>
               </a:r>
               <a:r>
                 <a:rPr lang="en-US" sz="900" kern="0" dirty="0" err="1">
@@ -32074,7 +32074,43 @@
                   </a:solidFill>
                   <a:latin typeface="Calibri"/>
                 </a:rPr>
-                <a:t>nukaran Di</a:t>
+                <a:t>T Bank Neg</a:t>
+              </a:r>
+              <a:r>
+                <a:rPr lang="en-US" sz="900" kern="0" dirty="0">
+                  <a:solidFill>
+                    <a:prstClr val="black"/>
+                  </a:solidFill>
+                  <a:latin typeface="Calibri"/>
+                </a:rPr>
+                <a:t>a</a:t>
+              </a:r>
+              <a:r>
+                <a:rPr lang="en-US" sz="900" kern="0" dirty="0" err="1">
+                  <a:solidFill>
+                    <a:prstClr val="black"/>
+                  </a:solidFill>
+                  <a:latin typeface="Calibri"/>
+                </a:rPr>
+                <a:t>ra Indone</a:t>
+              </a:r>
+              <a:r>
+                <a:rPr lang="en-US" sz="900" kern="0" dirty="0">
+                  <a:solidFill>
+                    <a:prstClr val="black"/>
+                  </a:solidFill>
+                  <a:latin typeface="Calibri"/>
+                </a:rPr>
+                <a:t>s</a:t>
+              </a:r>
+              <a:r>
+                <a:rPr lang="en-US" sz="900" kern="0" dirty="0" err="1">
+                  <a:solidFill>
+                    <a:prstClr val="black"/>
+                  </a:solidFill>
+                  <a:latin typeface="Calibri"/>
+                </a:rPr>
+                <a:t>ia (BNI)</a:t>
               </a:r>
               <a:r>
                 <a:rPr lang="en-US" sz="900" kern="0" dirty="0">
@@ -32092,7 +32128,7 @@
                   </a:solidFill>
                   <a:latin typeface="Calibri"/>
                 </a:rPr>
-                <a:t>Seluruh L</a:t>
+                <a:t>dalam </a:t>
               </a:r>
               <a:r>
                 <a:rPr lang="en-US" sz="900" kern="0" dirty="0">
@@ -32101,7 +32137,7 @@
                   </a:solidFill>
                   <a:latin typeface="Calibri"/>
                 </a:rPr>
-                <a:t>a</a:t>
+                <a:t>Infobank Digi</a:t>
               </a:r>
               <a:r>
                 <a:rPr lang="en-US" sz="900" kern="0" dirty="0" err="1">
@@ -32110,43 +32146,7 @@
                   </a:solidFill>
                   <a:latin typeface="Calibri"/>
                 </a:rPr>
-                <a:t>mpung ol</a:t>
-              </a:r>
-              <a:r>
-                <a:rPr lang="en-US" sz="900" kern="0" dirty="0">
-                  <a:solidFill>
-                    <a:prstClr val="black"/>
-                  </a:solidFill>
-                  <a:latin typeface="Calibri"/>
-                </a:rPr>
-                <a:t>e</a:t>
-              </a:r>
-              <a:r>
-                <a:rPr lang="en-US" sz="900" kern="0" dirty="0" err="1">
-                  <a:solidFill>
-                    <a:prstClr val="black"/>
-                  </a:solidFill>
-                  <a:latin typeface="Calibri"/>
-                </a:rPr>
-                <a:t>h BI d</a:t>
-              </a:r>
-              <a:r>
-                <a:rPr lang="en-US" sz="900" kern="0" dirty="0">
-                  <a:solidFill>
-                    <a:prstClr val="black"/>
-                  </a:solidFill>
-                  <a:latin typeface="Calibri"/>
-                </a:rPr>
-                <a:t>an Perbankan.</a:t>
-              </a:r>
-              <a:r>
-                <a:rPr lang="en-US" sz="900" kern="0" dirty="0" err="1">
-                  <a:solidFill>
-                    <a:prstClr val="black"/>
-                  </a:solidFill>
-                  <a:latin typeface="Calibri"/>
-                </a:rPr>
-                <a:t/>
+                <a:t>tal Brand Award 2022.</a:t>
               </a:r>
               <a:endParaRPr kumimoji="0" lang="en-US" sz="900" b="0" i="0" u="none" strike="noStrike" kern="0" cap="none" spc="0" normalizeH="0" baseline="0" noProof="0" dirty="0">
                 <a:ln>
@@ -32174,7 +32174,7 @@
                   </a:solidFill>
                   <a:latin typeface="Calibri"/>
                 </a:rPr>
-                <a:t>Pengel</a:t>
+                <a:t>Biaya </a:t>
               </a:r>
               <a:r>
                 <a:rPr lang="en-US" sz="900" kern="0" dirty="0" err="1">
@@ -32183,7 +32183,7 @@
                   </a:solidFill>
                   <a:latin typeface="Calibri"/>
                 </a:rPr>
-                <a:t>olaan Z</a:t>
+                <a:t>transfe</a:t>
               </a:r>
               <a:r>
                 <a:rPr lang="en-US" sz="900" kern="0" dirty="0">
@@ -32192,7 +32192,7 @@
                   </a:solidFill>
                   <a:latin typeface="Calibri"/>
                 </a:rPr>
-                <a:t>a</a:t>
+                <a:t>r</a:t>
               </a:r>
               <a:r>
                 <a:rPr lang="en-US" sz="900" kern="0" dirty="0" err="1">
@@ -32201,7 +32201,7 @@
                   </a:solidFill>
                   <a:latin typeface="Calibri"/>
                 </a:rPr>
-                <a:t>kat dan Pot</a:t>
+                <a:t> dan produk</a:t>
               </a:r>
               <a:r>
                 <a:rPr lang="en-US" sz="900" kern="0" dirty="0">
@@ -32210,7 +32210,7 @@
                   </a:solidFill>
                   <a:latin typeface="Calibri"/>
                 </a:rPr>
-                <a:t>e</a:t>
+                <a:t> </a:t>
               </a:r>
               <a:r>
                 <a:rPr lang="en-US" sz="900" kern="0" dirty="0" err="1">
@@ -32219,7 +32219,7 @@
                   </a:solidFill>
                   <a:latin typeface="Calibri"/>
                 </a:rPr>
-                <a:t>nsi E</a:t>
+                <a:t>perba</a:t>
               </a:r>
               <a:r>
                 <a:rPr lang="en-US" sz="900" kern="0" dirty="0">
@@ -32228,7 +32228,7 @@
                   </a:solidFill>
                   <a:latin typeface="Calibri"/>
                 </a:rPr>
-                <a:t>konomi Umat.</a:t>
+                <a:t>nkan.</a:t>
               </a:r>
               <a:r>
                 <a:rPr lang="en-US" sz="900" kern="0" dirty="0" err="1">
@@ -32304,7 +32304,7 @@
                   <a:uFillTx/>
                   <a:latin typeface="Calibri"/>
                 </a:rPr>
-                <a:t>Digitalite</a:t>
+                <a:t>Pengelolaa</a:t>
               </a:r>
               <a:r>
                 <a:rPr kumimoji="0" lang="en-US" sz="900" b="0" i="0" u="none" strike="noStrike" kern="0" cap="none" spc="0" normalizeH="0" baseline="0" noProof="0" dirty="0">
@@ -32319,7 +32319,7 @@
                   <a:uFillTx/>
                   <a:latin typeface="Calibri"/>
                 </a:rPr>
-                <a:t>r</a:t>
+                <a:t>n</a:t>
               </a:r>
               <a:r>
                 <a:rPr kumimoji="0" lang="en-US" sz="900" b="0" i="0" u="none" strike="noStrike" kern="0" cap="none" spc="0" normalizeH="0" baseline="0" noProof="0" dirty="0" err="1">
@@ -32334,7 +32334,7 @@
                   <a:uFillTx/>
                   <a:latin typeface="Calibri"/>
                 </a:rPr>
-                <a:t>asi dan A</a:t>
+                <a:t> Zakat da</a:t>
               </a:r>
               <a:r>
                 <a:rPr kumimoji="0" lang="en-US" sz="900" b="0" i="0" u="none" strike="noStrike" kern="0" cap="none" spc="0" normalizeH="0" baseline="0" noProof="0" dirty="0">
@@ -32349,7 +32349,7 @@
                   <a:uFillTx/>
                   <a:latin typeface="Calibri"/>
                 </a:rPr>
-                <a:t>d</a:t>
+                <a:t>n</a:t>
               </a:r>
               <a:r>
                 <a:rPr kumimoji="0" lang="en-US" sz="900" b="0" i="0" u="none" strike="noStrike" kern="0" cap="none" spc="0" normalizeH="0" baseline="0" noProof="0" dirty="0" err="1">
@@ -32364,7 +32364,7 @@
                   <a:uFillTx/>
                   <a:latin typeface="Calibri"/>
                 </a:rPr>
-                <a:t>opsi Sar</a:t>
+                <a:t> Potensi</a:t>
               </a:r>
               <a:r>
                 <a:rPr kumimoji="0" lang="en-US" sz="900" b="0" i="0" u="none" strike="noStrike" kern="0" cap="none" spc="0" normalizeH="0" baseline="0" noProof="0" dirty="0">
@@ -32379,7 +32379,7 @@
                   <a:uFillTx/>
                   <a:latin typeface="Calibri"/>
                 </a:rPr>
-                <a:t>a</a:t>
+                <a:t> </a:t>
               </a:r>
               <a:r>
                 <a:rPr kumimoji="0" lang="en-US" sz="900" b="0" i="1" u="none" strike="noStrike" kern="0" cap="none" spc="0" normalizeH="0" baseline="0" noProof="0" dirty="0">
@@ -32394,7 +32394,7 @@
                   <a:uFillTx/>
                   <a:latin typeface="Calibri"/>
                 </a:rPr>
-                <a:t>na Digit</a:t>
+                <a:t>Ekonomi </a:t>
               </a:r>
               <a:r>
                 <a:rPr kumimoji="0" lang="en-US" sz="900" b="0" u="none" strike="noStrike" kern="0" cap="none" spc="0" normalizeH="0" baseline="0" noProof="0" dirty="0">
@@ -32409,7 +32409,7 @@
                   <a:uFillTx/>
                   <a:latin typeface="Calibri"/>
                 </a:rPr>
-                <a:t>al d</a:t>
+                <a:t>Umat</a:t>
               </a:r>
               <a:r>
                 <a:rPr kumimoji="0" lang="en-US" sz="900" b="0" u="none" strike="noStrike" kern="0" cap="none" spc="0" normalizeH="0" baseline="0" noProof="0" dirty="0" err="1">
@@ -32424,7 +32424,7 @@
                   <a:uFillTx/>
                   <a:latin typeface="Calibri"/>
                 </a:rPr>
-                <a:t>alam K</a:t>
+                <a:t>.</a:t>
               </a:r>
               <a:r>
                 <a:rPr kumimoji="0" lang="en-US" sz="900" b="0" u="none" strike="noStrike" kern="0" cap="none" spc="0" normalizeH="0" baseline="0" noProof="0" dirty="0">
@@ -32439,7 +32439,7 @@
                   <a:uFillTx/>
                   <a:latin typeface="Calibri"/>
                 </a:rPr>
-                <a:t>euangan dan Komunikasi.</a:t>
+                <a:t/>
               </a:r>
               <a:endParaRPr kumimoji="0" lang="id-ID" sz="900" b="0" i="0" u="none" strike="noStrike" kern="0" cap="none" spc="0" normalizeH="0" baseline="0" noProof="0" dirty="0">
                 <a:ln>
@@ -32610,7 +32610,7 @@
                 <a:t>rbasis Digit</a:t>
               </a:r>
               <a:r>
-                <a:rPr kumimoji="0" lang="en-US" sz="900" b="0" i="0" u="none" strike="noStrike" kern="0" cap="none" spc="0" normalizeH="0" baseline="0" noProof="0" dirty="0">
+                <a:rPr kumimoji="0" lang="en-US" sz="900" b="0" i="0" u="none" strike="noStrike" kern="0" cap="none" spc="0" normalizeH="0" baseline="0" noProof="0">
                   <a:ln>
                     <a:noFill/>
                   </a:ln>
@@ -32624,6 +32624,18 @@
                 </a:rPr>
                 <a:t>al dalam Transformasi Ekosistem Digital Indonesia.</a:t>
               </a:r>
+              <a:endParaRPr kumimoji="0" lang="en-US" sz="900" b="0" i="0" u="none" strike="noStrike" kern="0" cap="none" spc="0" normalizeH="0" baseline="0" noProof="0" dirty="0">
+                <a:ln>
+                  <a:noFill/>
+                </a:ln>
+                <a:solidFill>
+                  <a:prstClr val="black"/>
+                </a:solidFill>
+                <a:effectLst/>
+                <a:uLnTx/>
+                <a:uFillTx/>
+                <a:latin typeface="Calibri"/>
+              </a:endParaRPr>
             </a:p>
             <a:p>
               <a:pPr marL="171450" marR="0" lvl="0" indent="-171450" defTabSz="914400" eaLnBrk="1" fontAlgn="auto" latinLnBrk="0" hangingPunct="1">
@@ -32994,7 +33006,7 @@
                   </a:solidFill>
                   <a:latin typeface="Calibri"/>
                 </a:rPr>
-                <a:t>Pengel</a:t>
+                <a:t>Biaya </a:t>
               </a:r>
               <a:r>
                 <a:rPr lang="en-US" sz="900" kern="0" dirty="0" err="1">
@@ -33003,7 +33015,7 @@
                   </a:solidFill>
                   <a:latin typeface="Calibri"/>
                 </a:rPr>
-                <a:t>olaan Z</a:t>
+                <a:t>transfe</a:t>
               </a:r>
               <a:r>
                 <a:rPr lang="en-US" sz="900" kern="0" dirty="0">
@@ -33012,7 +33024,7 @@
                   </a:solidFill>
                   <a:latin typeface="Calibri"/>
                 </a:rPr>
-                <a:t>a</a:t>
+                <a:t>r</a:t>
               </a:r>
               <a:r>
                 <a:rPr lang="en-US" sz="900" kern="0" dirty="0" err="1">
@@ -33021,7 +33033,7 @@
                   </a:solidFill>
                   <a:latin typeface="Calibri"/>
                 </a:rPr>
-                <a:t>kat dan Pot</a:t>
+                <a:t> dan produk</a:t>
               </a:r>
               <a:r>
                 <a:rPr lang="en-US" sz="900" kern="0" dirty="0">
@@ -33030,7 +33042,7 @@
                   </a:solidFill>
                   <a:latin typeface="Calibri"/>
                 </a:rPr>
-                <a:t>e</a:t>
+                <a:t> </a:t>
               </a:r>
               <a:r>
                 <a:rPr lang="en-US" sz="900" kern="0" dirty="0" err="1">
@@ -33039,7 +33051,7 @@
                   </a:solidFill>
                   <a:latin typeface="Calibri"/>
                 </a:rPr>
-                <a:t>nsi E</a:t>
+                <a:t>perba</a:t>
               </a:r>
               <a:r>
                 <a:rPr lang="en-US" sz="900" kern="0" dirty="0">
@@ -33048,7 +33060,7 @@
                   </a:solidFill>
                   <a:latin typeface="Calibri"/>
                 </a:rPr>
-                <a:t>konomi Umat.</a:t>
+                <a:t>nkan.</a:t>
               </a:r>
               <a:r>
                 <a:rPr lang="en-US" sz="900" kern="0" dirty="0" err="1">
